--- a/docs/source/decision_tree/slides/dt_regression.pptx
+++ b/docs/source/decision_tree/slides/dt_regression.pptx
@@ -127,6 +127,11 @@
       </a:defRPr>
     </a:lvl9pPr>
   </p:defaultTextStyle>
+  <p:extLst>
+    <p:ext uri="{EFAFB233-063F-42B5-8137-9DF3F51BA10A}">
+      <p15:sldGuideLst xmlns:p15="http://schemas.microsoft.com/office/powerpoint/2012/main"/>
+    </p:ext>
+  </p:extLst>
 </p:presentation>
 </file>
 
@@ -279,7 +284,7 @@
           <a:p>
             <a:fld id="{7A339085-C2EA-40C9-8143-C6C74F184DD4}" type="datetimeFigureOut">
               <a:rPr lang="en-NZ" smtClean="0"/>
-              <a:t>4/06/2022</a:t>
+              <a:t>31/05/2025</a:t>
             </a:fld>
             <a:endParaRPr lang="en-NZ"/>
           </a:p>
@@ -479,7 +484,7 @@
           <a:p>
             <a:fld id="{7A339085-C2EA-40C9-8143-C6C74F184DD4}" type="datetimeFigureOut">
               <a:rPr lang="en-NZ" smtClean="0"/>
-              <a:t>4/06/2022</a:t>
+              <a:t>31/05/2025</a:t>
             </a:fld>
             <a:endParaRPr lang="en-NZ"/>
           </a:p>
@@ -689,7 +694,7 @@
           <a:p>
             <a:fld id="{7A339085-C2EA-40C9-8143-C6C74F184DD4}" type="datetimeFigureOut">
               <a:rPr lang="en-NZ" smtClean="0"/>
-              <a:t>4/06/2022</a:t>
+              <a:t>31/05/2025</a:t>
             </a:fld>
             <a:endParaRPr lang="en-NZ"/>
           </a:p>
@@ -991,7 +996,7 @@
           <a:p>
             <a:fld id="{7A339085-C2EA-40C9-8143-C6C74F184DD4}" type="datetimeFigureOut">
               <a:rPr lang="en-NZ" smtClean="0"/>
-              <a:t>4/06/2022</a:t>
+              <a:t>31/05/2025</a:t>
             </a:fld>
             <a:endParaRPr lang="en-NZ"/>
           </a:p>
@@ -1267,7 +1272,7 @@
           <a:p>
             <a:fld id="{7A339085-C2EA-40C9-8143-C6C74F184DD4}" type="datetimeFigureOut">
               <a:rPr lang="en-NZ" smtClean="0"/>
-              <a:t>4/06/2022</a:t>
+              <a:t>31/05/2025</a:t>
             </a:fld>
             <a:endParaRPr lang="en-NZ"/>
           </a:p>
@@ -1535,7 +1540,7 @@
           <a:p>
             <a:fld id="{7A339085-C2EA-40C9-8143-C6C74F184DD4}" type="datetimeFigureOut">
               <a:rPr lang="en-NZ" smtClean="0"/>
-              <a:t>4/06/2022</a:t>
+              <a:t>31/05/2025</a:t>
             </a:fld>
             <a:endParaRPr lang="en-NZ"/>
           </a:p>
@@ -1950,7 +1955,7 @@
           <a:p>
             <a:fld id="{7A339085-C2EA-40C9-8143-C6C74F184DD4}" type="datetimeFigureOut">
               <a:rPr lang="en-NZ" smtClean="0"/>
-              <a:t>4/06/2022</a:t>
+              <a:t>31/05/2025</a:t>
             </a:fld>
             <a:endParaRPr lang="en-NZ"/>
           </a:p>
@@ -2092,7 +2097,7 @@
           <a:p>
             <a:fld id="{7A339085-C2EA-40C9-8143-C6C74F184DD4}" type="datetimeFigureOut">
               <a:rPr lang="en-NZ" smtClean="0"/>
-              <a:t>4/06/2022</a:t>
+              <a:t>31/05/2025</a:t>
             </a:fld>
             <a:endParaRPr lang="en-NZ"/>
           </a:p>
@@ -2205,7 +2210,7 @@
           <a:p>
             <a:fld id="{7A339085-C2EA-40C9-8143-C6C74F184DD4}" type="datetimeFigureOut">
               <a:rPr lang="en-NZ" smtClean="0"/>
-              <a:t>4/06/2022</a:t>
+              <a:t>31/05/2025</a:t>
             </a:fld>
             <a:endParaRPr lang="en-NZ"/>
           </a:p>
@@ -2518,7 +2523,7 @@
           <a:p>
             <a:fld id="{7A339085-C2EA-40C9-8143-C6C74F184DD4}" type="datetimeFigureOut">
               <a:rPr lang="en-NZ" smtClean="0"/>
-              <a:t>4/06/2022</a:t>
+              <a:t>31/05/2025</a:t>
             </a:fld>
             <a:endParaRPr lang="en-NZ"/>
           </a:p>
@@ -2807,7 +2812,7 @@
           <a:p>
             <a:fld id="{7A339085-C2EA-40C9-8143-C6C74F184DD4}" type="datetimeFigureOut">
               <a:rPr lang="en-NZ" smtClean="0"/>
-              <a:t>4/06/2022</a:t>
+              <a:t>31/05/2025</a:t>
             </a:fld>
             <a:endParaRPr lang="en-NZ"/>
           </a:p>
@@ -3050,7 +3055,7 @@
           <a:p>
             <a:fld id="{7A339085-C2EA-40C9-8143-C6C74F184DD4}" type="datetimeFigureOut">
               <a:rPr lang="en-NZ" smtClean="0"/>
-              <a:t>4/06/2022</a:t>
+              <a:t>31/05/2025</a:t>
             </a:fld>
             <a:endParaRPr lang="en-NZ"/>
           </a:p>
@@ -8546,123 +8551,6 @@
                 </a:highlight>
               </a:rPr>
               <a:t>23763.2</a:t>
-            </a:r>
-          </a:p>
-        </p:txBody>
-      </p:sp>
-      <p:pic>
-        <p:nvPicPr>
-          <p:cNvPr id="16" name="Picture 15">
-            <a:extLst>
-              <a:ext uri="{FF2B5EF4-FFF2-40B4-BE49-F238E27FC236}">
-                <a16:creationId xmlns:a16="http://schemas.microsoft.com/office/drawing/2014/main" id="{C28EA1BA-136D-491A-A18A-8950EAC814DF}"/>
-              </a:ext>
-            </a:extLst>
-          </p:cNvPr>
-          <p:cNvPicPr>
-            <a:picLocks noChangeAspect="1"/>
-          </p:cNvPicPr>
-          <p:nvPr/>
-        </p:nvPicPr>
-        <p:blipFill>
-          <a:blip r:embed="rId2"/>
-          <a:stretch>
-            <a:fillRect/>
-          </a:stretch>
-        </p:blipFill>
-        <p:spPr>
-          <a:xfrm>
-            <a:off x="6827232" y="3278386"/>
-            <a:ext cx="3791416" cy="2983094"/>
-          </a:xfrm>
-          <a:prstGeom prst="rect">
-            <a:avLst/>
-          </a:prstGeom>
-        </p:spPr>
-      </p:pic>
-      <p:cxnSp>
-        <p:nvCxnSpPr>
-          <p:cNvPr id="17" name="Straight Connector 16">
-            <a:extLst>
-              <a:ext uri="{FF2B5EF4-FFF2-40B4-BE49-F238E27FC236}">
-                <a16:creationId xmlns:a16="http://schemas.microsoft.com/office/drawing/2014/main" id="{C1448846-CB1B-4741-A263-F75D69B64A4E}"/>
-              </a:ext>
-            </a:extLst>
-          </p:cNvPr>
-          <p:cNvCxnSpPr>
-            <a:cxnSpLocks/>
-          </p:cNvCxnSpPr>
-          <p:nvPr/>
-        </p:nvCxnSpPr>
-        <p:spPr>
-          <a:xfrm>
-            <a:off x="10218997" y="3561414"/>
-            <a:ext cx="0" cy="2466228"/>
-          </a:xfrm>
-          <a:prstGeom prst="line">
-            <a:avLst/>
-          </a:prstGeom>
-          <a:ln w="38100">
-            <a:solidFill>
-              <a:schemeClr val="accent6">
-                <a:lumMod val="75000"/>
-              </a:schemeClr>
-            </a:solidFill>
-            <a:prstDash val="dash"/>
-          </a:ln>
-        </p:spPr>
-        <p:style>
-          <a:lnRef idx="1">
-            <a:schemeClr val="accent1"/>
-          </a:lnRef>
-          <a:fillRef idx="0">
-            <a:schemeClr val="accent1"/>
-          </a:fillRef>
-          <a:effectRef idx="0">
-            <a:schemeClr val="accent1"/>
-          </a:effectRef>
-          <a:fontRef idx="minor">
-            <a:schemeClr val="tx1"/>
-          </a:fontRef>
-        </p:style>
-      </p:cxnSp>
-      <p:sp>
-        <p:nvSpPr>
-          <p:cNvPr id="19" name="TextBox 18">
-            <a:extLst>
-              <a:ext uri="{FF2B5EF4-FFF2-40B4-BE49-F238E27FC236}">
-                <a16:creationId xmlns:a16="http://schemas.microsoft.com/office/drawing/2014/main" id="{528264F6-9471-45F4-9CBB-4F07563FBB4F}"/>
-              </a:ext>
-            </a:extLst>
-          </p:cNvPr>
-          <p:cNvSpPr txBox="1"/>
-          <p:nvPr/>
-        </p:nvSpPr>
-        <p:spPr>
-          <a:xfrm>
-            <a:off x="8533856" y="3587540"/>
-            <a:ext cx="1976888" cy="369332"/>
-          </a:xfrm>
-          <a:prstGeom prst="rect">
-            <a:avLst/>
-          </a:prstGeom>
-          <a:noFill/>
-        </p:spPr>
-        <p:txBody>
-          <a:bodyPr wrap="none" rtlCol="0">
-            <a:spAutoFit/>
-          </a:bodyPr>
-          <a:lstStyle/>
-          <a:p>
-            <a:r>
-              <a:rPr lang="en-NZ" dirty="0">
-                <a:solidFill>
-                  <a:schemeClr val="accent6">
-                    <a:lumMod val="75000"/>
-                  </a:schemeClr>
-                </a:solidFill>
-              </a:rPr>
-              <a:t>The average is 37.5</a:t>
             </a:r>
           </a:p>
         </p:txBody>
